--- a/ExtendSim Web Simulation_project_2.pptx
+++ b/ExtendSim Web Simulation_project_2.pptx
@@ -269,7 +269,7 @@
           <a:p>
             <a:fld id="{DAEBACF4-3516-4D28-9302-875011AC9379}" type="datetimeFigureOut">
               <a:rPr lang="en-US" smtClean="0"/>
-              <a:t>4/10/2019</a:t>
+              <a:t>4/13/2019</a:t>
             </a:fld>
             <a:endParaRPr lang="en-US"/>
           </a:p>
@@ -467,7 +467,7 @@
           <a:p>
             <a:fld id="{DAEBACF4-3516-4D28-9302-875011AC9379}" type="datetimeFigureOut">
               <a:rPr lang="en-US" smtClean="0"/>
-              <a:t>4/10/2019</a:t>
+              <a:t>4/13/2019</a:t>
             </a:fld>
             <a:endParaRPr lang="en-US"/>
           </a:p>
@@ -675,7 +675,7 @@
           <a:p>
             <a:fld id="{DAEBACF4-3516-4D28-9302-875011AC9379}" type="datetimeFigureOut">
               <a:rPr lang="en-US" smtClean="0"/>
-              <a:t>4/10/2019</a:t>
+              <a:t>4/13/2019</a:t>
             </a:fld>
             <a:endParaRPr lang="en-US"/>
           </a:p>
@@ -873,7 +873,7 @@
           <a:p>
             <a:fld id="{DAEBACF4-3516-4D28-9302-875011AC9379}" type="datetimeFigureOut">
               <a:rPr lang="en-US" smtClean="0"/>
-              <a:t>4/10/2019</a:t>
+              <a:t>4/13/2019</a:t>
             </a:fld>
             <a:endParaRPr lang="en-US"/>
           </a:p>
@@ -1148,7 +1148,7 @@
           <a:p>
             <a:fld id="{DAEBACF4-3516-4D28-9302-875011AC9379}" type="datetimeFigureOut">
               <a:rPr lang="en-US" smtClean="0"/>
-              <a:t>4/10/2019</a:t>
+              <a:t>4/13/2019</a:t>
             </a:fld>
             <a:endParaRPr lang="en-US"/>
           </a:p>
@@ -1413,7 +1413,7 @@
           <a:p>
             <a:fld id="{DAEBACF4-3516-4D28-9302-875011AC9379}" type="datetimeFigureOut">
               <a:rPr lang="en-US" smtClean="0"/>
-              <a:t>4/10/2019</a:t>
+              <a:t>4/13/2019</a:t>
             </a:fld>
             <a:endParaRPr lang="en-US"/>
           </a:p>
@@ -1825,7 +1825,7 @@
           <a:p>
             <a:fld id="{DAEBACF4-3516-4D28-9302-875011AC9379}" type="datetimeFigureOut">
               <a:rPr lang="en-US" smtClean="0"/>
-              <a:t>4/10/2019</a:t>
+              <a:t>4/13/2019</a:t>
             </a:fld>
             <a:endParaRPr lang="en-US"/>
           </a:p>
@@ -1966,7 +1966,7 @@
           <a:p>
             <a:fld id="{DAEBACF4-3516-4D28-9302-875011AC9379}" type="datetimeFigureOut">
               <a:rPr lang="en-US" smtClean="0"/>
-              <a:t>4/10/2019</a:t>
+              <a:t>4/13/2019</a:t>
             </a:fld>
             <a:endParaRPr lang="en-US"/>
           </a:p>
@@ -2079,7 +2079,7 @@
           <a:p>
             <a:fld id="{DAEBACF4-3516-4D28-9302-875011AC9379}" type="datetimeFigureOut">
               <a:rPr lang="en-US" smtClean="0"/>
-              <a:t>4/10/2019</a:t>
+              <a:t>4/13/2019</a:t>
             </a:fld>
             <a:endParaRPr lang="en-US"/>
           </a:p>
@@ -2390,7 +2390,7 @@
           <a:p>
             <a:fld id="{DAEBACF4-3516-4D28-9302-875011AC9379}" type="datetimeFigureOut">
               <a:rPr lang="en-US" smtClean="0"/>
-              <a:t>4/10/2019</a:t>
+              <a:t>4/13/2019</a:t>
             </a:fld>
             <a:endParaRPr lang="en-US"/>
           </a:p>
@@ -2678,7 +2678,7 @@
           <a:p>
             <a:fld id="{DAEBACF4-3516-4D28-9302-875011AC9379}" type="datetimeFigureOut">
               <a:rPr lang="en-US" smtClean="0"/>
-              <a:t>4/10/2019</a:t>
+              <a:t>4/13/2019</a:t>
             </a:fld>
             <a:endParaRPr lang="en-US"/>
           </a:p>
@@ -2919,7 +2919,7 @@
           <a:p>
             <a:fld id="{DAEBACF4-3516-4D28-9302-875011AC9379}" type="datetimeFigureOut">
               <a:rPr lang="en-US" smtClean="0"/>
-              <a:t>4/10/2019</a:t>
+              <a:t>4/13/2019</a:t>
             </a:fld>
             <a:endParaRPr lang="en-US"/>
           </a:p>
@@ -3386,6 +3386,12 @@
           <a:lstStyle/>
           <a:p>
             <a:r>
+              <a:rPr lang="en-US" sz="2800" dirty="0"/>
+              <a:t>Peter Tag</a:t>
+            </a:r>
+          </a:p>
+          <a:p>
+            <a:r>
               <a:rPr lang="en-US" dirty="0"/>
               <a:t>Project 2</a:t>
             </a:r>
@@ -6797,19 +6803,25 @@
           <a:p>
             <a:r>
               <a:rPr lang="en-US" dirty="0"/>
-              <a:t>Grind it out until all the components correctly interacted with each other</a:t>
+              <a:t>Develop a minimal testing framework to test code to make Node.js server talk to ExtendSim server</a:t>
             </a:r>
           </a:p>
           <a:p>
             <a:r>
               <a:rPr lang="en-US" dirty="0"/>
-              <a:t>Polish up web pages</a:t>
+              <a:t>Grind it out until all the components correctly interact with each other</a:t>
             </a:r>
           </a:p>
           <a:p>
             <a:r>
               <a:rPr lang="en-US" dirty="0"/>
-              <a:t>Offer many prayers to the God of coding</a:t>
+              <a:t>Make individual web pages for login, scenario input setup &amp; results</a:t>
+            </a:r>
+          </a:p>
+          <a:p>
+            <a:r>
+              <a:rPr lang="en-US" dirty="0"/>
+              <a:t>Offer many prayers to the coding Gods!</a:t>
             </a:r>
           </a:p>
           <a:p>
